--- a/Lecture-23-Area Lights.pptx
+++ b/Lecture-23-Area Lights.pptx
@@ -123,6 +123,22 @@
       </a:defRPr>
     </a:lvl9pPr>
   </p:defaultTextStyle>
+  <p:extLst>
+    <p:ext uri="{EFAFB233-063F-42B5-8137-9DF3F51BA10A}">
+      <p15:sldGuideLst xmlns:p15="http://schemas.microsoft.com/office/powerpoint/2012/main">
+        <p15:guide id="1" orient="horz" pos="2160">
+          <p15:clr>
+            <a:srgbClr val="A4A3A4"/>
+          </p15:clr>
+        </p15:guide>
+        <p15:guide id="2" pos="2880">
+          <p15:clr>
+            <a:srgbClr val="A4A3A4"/>
+          </p15:clr>
+        </p15:guide>
+      </p15:sldGuideLst>
+    </p:ext>
+  </p:extLst>
 </p:presentation>
 </file>
 
@@ -208,7 +224,7 @@
           <a:p>
             <a:fld id="{FFC671DE-B974-1645-9773-8DE72E573319}" type="datetimeFigureOut">
               <a:rPr lang="en-US" smtClean="0"/>
-              <a:t>3/28/16</a:t>
+              <a:t>10/22/2018</a:t>
             </a:fld>
             <a:endParaRPr lang="en-US"/>
           </a:p>
@@ -272,38 +288,37 @@
           <a:p>
             <a:pPr lvl="0"/>
             <a:r>
-              <a:rPr lang="en-US" smtClean="0"/>
+              <a:rPr lang="en-US"/>
               <a:t>Click to edit Master text styles</a:t>
             </a:r>
           </a:p>
           <a:p>
             <a:pPr lvl="1"/>
             <a:r>
-              <a:rPr lang="en-US" smtClean="0"/>
+              <a:rPr lang="en-US"/>
               <a:t>Second level</a:t>
             </a:r>
           </a:p>
           <a:p>
             <a:pPr lvl="2"/>
             <a:r>
-              <a:rPr lang="en-US" smtClean="0"/>
+              <a:rPr lang="en-US"/>
               <a:t>Third level</a:t>
             </a:r>
           </a:p>
           <a:p>
             <a:pPr lvl="3"/>
             <a:r>
-              <a:rPr lang="en-US" smtClean="0"/>
+              <a:rPr lang="en-US"/>
               <a:t>Fourth level</a:t>
             </a:r>
           </a:p>
           <a:p>
             <a:pPr lvl="4"/>
             <a:r>
-              <a:rPr lang="en-US" smtClean="0"/>
+              <a:rPr lang="en-US"/>
               <a:t>Fifth level</a:t>
             </a:r>
-            <a:endParaRPr lang="en-US"/>
           </a:p>
         </p:txBody>
       </p:sp>
@@ -593,7 +608,7 @@
           <a:lstStyle/>
           <a:p>
             <a:r>
-              <a:rPr lang="en-US" smtClean="0"/>
+              <a:rPr lang="en-US"/>
               <a:t>Click to edit Master title style</a:t>
             </a:r>
             <a:endParaRPr/>
@@ -750,7 +765,7 @@
           </a:lstStyle>
           <a:p>
             <a:r>
-              <a:rPr lang="en-US" smtClean="0"/>
+              <a:rPr lang="en-US"/>
               <a:t>Click to edit Master subtitle style</a:t>
             </a:r>
             <a:endParaRPr dirty="0"/>
@@ -865,7 +880,7 @@
           </a:lstStyle>
           <a:p>
             <a:r>
-              <a:rPr lang="en-US" smtClean="0"/>
+              <a:rPr lang="en-US"/>
               <a:t>Click to edit Master title style</a:t>
             </a:r>
             <a:endParaRPr/>
@@ -932,7 +947,7 @@
           </a:lstStyle>
           <a:p>
             <a:r>
-              <a:rPr lang="en-US" smtClean="0"/>
+              <a:rPr lang="en-US"/>
               <a:t>Drag picture to placeholder or click icon to add</a:t>
             </a:r>
             <a:endParaRPr/>
@@ -1044,7 +1059,7 @@
               <a:buNone/>
             </a:pPr>
             <a:r>
-              <a:rPr lang="en-US" smtClean="0"/>
+              <a:rPr lang="en-US"/>
               <a:t>Click to edit Master text styles</a:t>
             </a:r>
           </a:p>
@@ -1075,7 +1090,7 @@
           <a:p>
             <a:fld id="{15BAAE7D-7912-B445-AAA7-9E6395770C35}" type="datetimeFigureOut">
               <a:rPr lang="en-US" smtClean="0"/>
-              <a:t>3/28/16</a:t>
+              <a:t>10/22/2018</a:t>
             </a:fld>
             <a:endParaRPr lang="en-US"/>
           </a:p>
@@ -1175,7 +1190,7 @@
           </a:lstStyle>
           <a:p>
             <a:r>
-              <a:rPr lang="en-US" smtClean="0"/>
+              <a:rPr lang="en-US"/>
               <a:t>Click to edit Master title style</a:t>
             </a:r>
             <a:endParaRPr/>
@@ -1328,7 +1343,7 @@
           </a:lstStyle>
           <a:p>
             <a:r>
-              <a:rPr lang="en-US" smtClean="0"/>
+              <a:rPr lang="en-US"/>
               <a:t>Click to edit Master subtitle style</a:t>
             </a:r>
             <a:endParaRPr dirty="0"/>
@@ -1360,7 +1375,7 @@
           <a:p>
             <a:fld id="{15BAAE7D-7912-B445-AAA7-9E6395770C35}" type="datetimeFigureOut">
               <a:rPr lang="en-US" smtClean="0"/>
-              <a:t>3/28/16</a:t>
+              <a:t>10/22/2018</a:t>
             </a:fld>
             <a:endParaRPr lang="en-US"/>
           </a:p>
@@ -1413,7 +1428,7 @@
           </a:lstStyle>
           <a:p>
             <a:r>
-              <a:rPr lang="en-US" smtClean="0"/>
+              <a:rPr lang="en-US"/>
               <a:t>Drag picture to placeholder or click icon to add</a:t>
             </a:r>
             <a:endParaRPr/>
@@ -1472,7 +1487,7 @@
           </a:lstStyle>
           <a:p>
             <a:r>
-              <a:rPr lang="en-US" smtClean="0"/>
+              <a:rPr lang="en-US"/>
               <a:t>Click to edit Master title style</a:t>
             </a:r>
             <a:endParaRPr/>
@@ -1625,7 +1640,7 @@
           </a:lstStyle>
           <a:p>
             <a:r>
-              <a:rPr lang="en-US" smtClean="0"/>
+              <a:rPr lang="en-US"/>
               <a:t>Click to edit Master subtitle style</a:t>
             </a:r>
             <a:endParaRPr dirty="0"/>
@@ -1657,7 +1672,7 @@
           <a:p>
             <a:fld id="{15BAAE7D-7912-B445-AAA7-9E6395770C35}" type="datetimeFigureOut">
               <a:rPr lang="en-US" smtClean="0"/>
-              <a:t>3/28/16</a:t>
+              <a:t>10/22/2018</a:t>
             </a:fld>
             <a:endParaRPr lang="en-US"/>
           </a:p>
@@ -1710,7 +1725,7 @@
           </a:lstStyle>
           <a:p>
             <a:r>
-              <a:rPr lang="en-US" smtClean="0"/>
+              <a:rPr lang="en-US"/>
               <a:t>Drag picture to placeholder or click icon to add</a:t>
             </a:r>
             <a:endParaRPr/>
@@ -1745,7 +1760,7 @@
           </a:lstStyle>
           <a:p>
             <a:r>
-              <a:rPr lang="en-US" smtClean="0"/>
+              <a:rPr lang="en-US"/>
               <a:t>Drag picture to placeholder or click icon to add</a:t>
             </a:r>
             <a:endParaRPr/>
@@ -1804,7 +1819,7 @@
           </a:lstStyle>
           <a:p>
             <a:r>
-              <a:rPr lang="en-US" smtClean="0"/>
+              <a:rPr lang="en-US"/>
               <a:t>Click to edit Master title style</a:t>
             </a:r>
             <a:endParaRPr/>
@@ -1957,7 +1972,7 @@
           </a:lstStyle>
           <a:p>
             <a:r>
-              <a:rPr lang="en-US" smtClean="0"/>
+              <a:rPr lang="en-US"/>
               <a:t>Click to edit Master subtitle style</a:t>
             </a:r>
             <a:endParaRPr/>
@@ -1989,7 +2004,7 @@
           <a:p>
             <a:fld id="{15BAAE7D-7912-B445-AAA7-9E6395770C35}" type="datetimeFigureOut">
               <a:rPr lang="en-US" smtClean="0"/>
-              <a:t>3/28/16</a:t>
+              <a:t>10/22/2018</a:t>
             </a:fld>
             <a:endParaRPr lang="en-US"/>
           </a:p>
@@ -2042,7 +2057,7 @@
           </a:lstStyle>
           <a:p>
             <a:r>
-              <a:rPr lang="en-US" smtClean="0"/>
+              <a:rPr lang="en-US"/>
               <a:t>Drag picture to placeholder or click icon to add</a:t>
             </a:r>
             <a:endParaRPr/>
@@ -2077,7 +2092,7 @@
           </a:lstStyle>
           <a:p>
             <a:r>
-              <a:rPr lang="en-US" smtClean="0"/>
+              <a:rPr lang="en-US"/>
               <a:t>Drag picture to placeholder or click icon to add</a:t>
             </a:r>
             <a:endParaRPr/>
@@ -2112,7 +2127,7 @@
           </a:lstStyle>
           <a:p>
             <a:r>
-              <a:rPr lang="en-US" smtClean="0"/>
+              <a:rPr lang="en-US"/>
               <a:t>Drag picture to placeholder or click icon to add</a:t>
             </a:r>
             <a:endParaRPr/>
@@ -2160,7 +2175,7 @@
           <a:lstStyle/>
           <a:p>
             <a:r>
-              <a:rPr lang="en-US" smtClean="0"/>
+              <a:rPr lang="en-US"/>
               <a:t>Click to edit Master title style</a:t>
             </a:r>
             <a:endParaRPr/>
@@ -2188,35 +2203,35 @@
           <a:p>
             <a:pPr lvl="0"/>
             <a:r>
-              <a:rPr lang="en-US" smtClean="0"/>
+              <a:rPr lang="en-US"/>
               <a:t>Click to edit Master text styles</a:t>
             </a:r>
           </a:p>
           <a:p>
             <a:pPr lvl="1"/>
             <a:r>
-              <a:rPr lang="en-US" smtClean="0"/>
+              <a:rPr lang="en-US"/>
               <a:t>Second level</a:t>
             </a:r>
           </a:p>
           <a:p>
             <a:pPr lvl="2"/>
             <a:r>
-              <a:rPr lang="en-US" smtClean="0"/>
+              <a:rPr lang="en-US"/>
               <a:t>Third level</a:t>
             </a:r>
           </a:p>
           <a:p>
             <a:pPr lvl="3"/>
             <a:r>
-              <a:rPr lang="en-US" smtClean="0"/>
+              <a:rPr lang="en-US"/>
               <a:t>Fourth level</a:t>
             </a:r>
           </a:p>
           <a:p>
             <a:pPr lvl="4"/>
             <a:r>
-              <a:rPr lang="en-US" smtClean="0"/>
+              <a:rPr lang="en-US"/>
               <a:t>Fifth level</a:t>
             </a:r>
             <a:endParaRPr dirty="0"/>
@@ -2248,7 +2263,7 @@
           <a:p>
             <a:fld id="{15BAAE7D-7912-B445-AAA7-9E6395770C35}" type="datetimeFigureOut">
               <a:rPr lang="en-US" smtClean="0"/>
-              <a:t>3/28/16</a:t>
+              <a:t>10/22/2018</a:t>
             </a:fld>
             <a:endParaRPr lang="en-US"/>
           </a:p>
@@ -2342,7 +2357,7 @@
           <a:lstStyle/>
           <a:p>
             <a:r>
-              <a:rPr lang="en-US" smtClean="0"/>
+              <a:rPr lang="en-US"/>
               <a:t>Click to edit Master title style</a:t>
             </a:r>
             <a:endParaRPr/>
@@ -2375,35 +2390,35 @@
           <a:p>
             <a:pPr lvl="0"/>
             <a:r>
-              <a:rPr lang="en-US" smtClean="0"/>
+              <a:rPr lang="en-US"/>
               <a:t>Click to edit Master text styles</a:t>
             </a:r>
           </a:p>
           <a:p>
             <a:pPr lvl="1"/>
             <a:r>
-              <a:rPr lang="en-US" smtClean="0"/>
+              <a:rPr lang="en-US"/>
               <a:t>Second level</a:t>
             </a:r>
           </a:p>
           <a:p>
             <a:pPr lvl="2"/>
             <a:r>
-              <a:rPr lang="en-US" smtClean="0"/>
+              <a:rPr lang="en-US"/>
               <a:t>Third level</a:t>
             </a:r>
           </a:p>
           <a:p>
             <a:pPr lvl="3"/>
             <a:r>
-              <a:rPr lang="en-US" smtClean="0"/>
+              <a:rPr lang="en-US"/>
               <a:t>Fourth level</a:t>
             </a:r>
           </a:p>
           <a:p>
             <a:pPr lvl="4"/>
             <a:r>
-              <a:rPr lang="en-US" smtClean="0"/>
+              <a:rPr lang="en-US"/>
               <a:t>Fifth level</a:t>
             </a:r>
             <a:endParaRPr dirty="0"/>
@@ -2435,7 +2450,7 @@
           <a:p>
             <a:fld id="{15BAAE7D-7912-B445-AAA7-9E6395770C35}" type="datetimeFigureOut">
               <a:rPr lang="en-US" smtClean="0"/>
-              <a:t>3/28/16</a:t>
+              <a:t>10/22/2018</a:t>
             </a:fld>
             <a:endParaRPr lang="en-US"/>
           </a:p>
@@ -2524,7 +2539,7 @@
           <a:lstStyle/>
           <a:p>
             <a:r>
-              <a:rPr lang="en-US" smtClean="0"/>
+              <a:rPr lang="en-US"/>
               <a:t>Click to edit Master title style</a:t>
             </a:r>
             <a:endParaRPr/>
@@ -2552,35 +2567,35 @@
           <a:p>
             <a:pPr lvl="0"/>
             <a:r>
-              <a:rPr lang="en-US" smtClean="0"/>
+              <a:rPr lang="en-US"/>
               <a:t>Click to edit Master text styles</a:t>
             </a:r>
           </a:p>
           <a:p>
             <a:pPr lvl="1"/>
             <a:r>
-              <a:rPr lang="en-US" smtClean="0"/>
+              <a:rPr lang="en-US"/>
               <a:t>Second level</a:t>
             </a:r>
           </a:p>
           <a:p>
             <a:pPr lvl="2"/>
             <a:r>
-              <a:rPr lang="en-US" smtClean="0"/>
+              <a:rPr lang="en-US"/>
               <a:t>Third level</a:t>
             </a:r>
           </a:p>
           <a:p>
             <a:pPr lvl="3"/>
             <a:r>
-              <a:rPr lang="en-US" smtClean="0"/>
+              <a:rPr lang="en-US"/>
               <a:t>Fourth level</a:t>
             </a:r>
           </a:p>
           <a:p>
             <a:pPr lvl="4"/>
             <a:r>
-              <a:rPr lang="en-US" smtClean="0"/>
+              <a:rPr lang="en-US"/>
               <a:t>Fifth level</a:t>
             </a:r>
             <a:endParaRPr dirty="0"/>
@@ -2684,7 +2699,7 @@
           <a:lstStyle/>
           <a:p>
             <a:r>
-              <a:rPr lang="en-US" smtClean="0"/>
+              <a:rPr lang="en-US"/>
               <a:t>Click to edit Master title style</a:t>
             </a:r>
             <a:endParaRPr/>
@@ -2835,7 +2850,7 @@
           </a:lstStyle>
           <a:p>
             <a:r>
-              <a:rPr lang="en-US" smtClean="0"/>
+              <a:rPr lang="en-US"/>
               <a:t>Click to edit Master subtitle style</a:t>
             </a:r>
             <a:endParaRPr dirty="0"/>
@@ -2889,7 +2904,7 @@
           </a:lstStyle>
           <a:p>
             <a:r>
-              <a:rPr lang="en-US" smtClean="0"/>
+              <a:rPr lang="en-US"/>
               <a:t>Drag picture to placeholder or click icon to add</a:t>
             </a:r>
             <a:endParaRPr/>
@@ -2962,7 +2977,7 @@
           </a:lstStyle>
           <a:p>
             <a:r>
-              <a:rPr lang="en-US" smtClean="0"/>
+              <a:rPr lang="en-US"/>
               <a:t>Click to edit Master title style</a:t>
             </a:r>
             <a:endParaRPr/>
@@ -3120,7 +3135,7 @@
           <a:p>
             <a:pPr lvl="0"/>
             <a:r>
-              <a:rPr lang="en-US" smtClean="0"/>
+              <a:rPr lang="en-US"/>
               <a:t>Click to edit Master text styles</a:t>
             </a:r>
           </a:p>
@@ -3209,7 +3224,7 @@
           <a:lstStyle/>
           <a:p>
             <a:r>
-              <a:rPr lang="en-US" smtClean="0"/>
+              <a:rPr lang="en-US"/>
               <a:t>Click to edit Master title style</a:t>
             </a:r>
             <a:endParaRPr/>
@@ -3268,35 +3283,35 @@
           <a:p>
             <a:pPr lvl="0"/>
             <a:r>
-              <a:rPr lang="en-US" smtClean="0"/>
+              <a:rPr lang="en-US"/>
               <a:t>Click to edit Master text styles</a:t>
             </a:r>
           </a:p>
           <a:p>
             <a:pPr lvl="1"/>
             <a:r>
-              <a:rPr lang="en-US" smtClean="0"/>
+              <a:rPr lang="en-US"/>
               <a:t>Second level</a:t>
             </a:r>
           </a:p>
           <a:p>
             <a:pPr lvl="2"/>
             <a:r>
-              <a:rPr lang="en-US" smtClean="0"/>
+              <a:rPr lang="en-US"/>
               <a:t>Third level</a:t>
             </a:r>
           </a:p>
           <a:p>
             <a:pPr lvl="3"/>
             <a:r>
-              <a:rPr lang="en-US" smtClean="0"/>
+              <a:rPr lang="en-US"/>
               <a:t>Fourth level</a:t>
             </a:r>
           </a:p>
           <a:p>
             <a:pPr lvl="4"/>
             <a:r>
-              <a:rPr lang="en-US" smtClean="0"/>
+              <a:rPr lang="en-US"/>
               <a:t>Fifth level</a:t>
             </a:r>
             <a:endParaRPr dirty="0"/>
@@ -3355,35 +3370,35 @@
           <a:p>
             <a:pPr lvl="0"/>
             <a:r>
-              <a:rPr lang="en-US" smtClean="0"/>
+              <a:rPr lang="en-US"/>
               <a:t>Click to edit Master text styles</a:t>
             </a:r>
           </a:p>
           <a:p>
             <a:pPr lvl="1"/>
             <a:r>
-              <a:rPr lang="en-US" smtClean="0"/>
+              <a:rPr lang="en-US"/>
               <a:t>Second level</a:t>
             </a:r>
           </a:p>
           <a:p>
             <a:pPr lvl="2"/>
             <a:r>
-              <a:rPr lang="en-US" smtClean="0"/>
+              <a:rPr lang="en-US"/>
               <a:t>Third level</a:t>
             </a:r>
           </a:p>
           <a:p>
             <a:pPr lvl="3"/>
             <a:r>
-              <a:rPr lang="en-US" smtClean="0"/>
+              <a:rPr lang="en-US"/>
               <a:t>Fourth level</a:t>
             </a:r>
           </a:p>
           <a:p>
             <a:pPr lvl="4"/>
             <a:r>
-              <a:rPr lang="en-US" smtClean="0"/>
+              <a:rPr lang="en-US"/>
               <a:t>Fifth level</a:t>
             </a:r>
             <a:endParaRPr dirty="0"/>
@@ -3477,7 +3492,7 @@
           </a:lstStyle>
           <a:p>
             <a:r>
-              <a:rPr lang="en-US" smtClean="0"/>
+              <a:rPr lang="en-US"/>
               <a:t>Click to edit Master title style</a:t>
             </a:r>
             <a:endParaRPr/>
@@ -3545,7 +3560,7 @@
           <a:p>
             <a:pPr lvl="0"/>
             <a:r>
-              <a:rPr lang="en-US" smtClean="0"/>
+              <a:rPr lang="en-US"/>
               <a:t>Click to edit Master text styles</a:t>
             </a:r>
           </a:p>
@@ -3603,35 +3618,35 @@
           <a:p>
             <a:pPr lvl="0"/>
             <a:r>
-              <a:rPr lang="en-US" smtClean="0"/>
+              <a:rPr lang="en-US"/>
               <a:t>Click to edit Master text styles</a:t>
             </a:r>
           </a:p>
           <a:p>
             <a:pPr lvl="1"/>
             <a:r>
-              <a:rPr lang="en-US" smtClean="0"/>
+              <a:rPr lang="en-US"/>
               <a:t>Second level</a:t>
             </a:r>
           </a:p>
           <a:p>
             <a:pPr lvl="2"/>
             <a:r>
-              <a:rPr lang="en-US" smtClean="0"/>
+              <a:rPr lang="en-US"/>
               <a:t>Third level</a:t>
             </a:r>
           </a:p>
           <a:p>
             <a:pPr lvl="3"/>
             <a:r>
-              <a:rPr lang="en-US" smtClean="0"/>
+              <a:rPr lang="en-US"/>
               <a:t>Fourth level</a:t>
             </a:r>
           </a:p>
           <a:p>
             <a:pPr lvl="4"/>
             <a:r>
-              <a:rPr lang="en-US" smtClean="0"/>
+              <a:rPr lang="en-US"/>
               <a:t>Fifth level</a:t>
             </a:r>
             <a:endParaRPr dirty="0"/>
@@ -3699,7 +3714,7 @@
           <a:p>
             <a:pPr lvl="0"/>
             <a:r>
-              <a:rPr lang="en-US" smtClean="0"/>
+              <a:rPr lang="en-US"/>
               <a:t>Click to edit Master text styles</a:t>
             </a:r>
           </a:p>
@@ -3757,35 +3772,35 @@
           <a:p>
             <a:pPr lvl="0"/>
             <a:r>
-              <a:rPr lang="en-US" smtClean="0"/>
+              <a:rPr lang="en-US"/>
               <a:t>Click to edit Master text styles</a:t>
             </a:r>
           </a:p>
           <a:p>
             <a:pPr lvl="1"/>
             <a:r>
-              <a:rPr lang="en-US" smtClean="0"/>
+              <a:rPr lang="en-US"/>
               <a:t>Second level</a:t>
             </a:r>
           </a:p>
           <a:p>
             <a:pPr lvl="2"/>
             <a:r>
-              <a:rPr lang="en-US" smtClean="0"/>
+              <a:rPr lang="en-US"/>
               <a:t>Third level</a:t>
             </a:r>
           </a:p>
           <a:p>
             <a:pPr lvl="3"/>
             <a:r>
-              <a:rPr lang="en-US" smtClean="0"/>
+              <a:rPr lang="en-US"/>
               <a:t>Fourth level</a:t>
             </a:r>
           </a:p>
           <a:p>
             <a:pPr lvl="4"/>
             <a:r>
-              <a:rPr lang="en-US" smtClean="0"/>
+              <a:rPr lang="en-US"/>
               <a:t>Fifth level</a:t>
             </a:r>
             <a:endParaRPr dirty="0"/>
@@ -4112,7 +4127,7 @@
           <a:lstStyle/>
           <a:p>
             <a:r>
-              <a:rPr lang="en-US" smtClean="0"/>
+              <a:rPr lang="en-US"/>
               <a:t>Click to edit Master title style</a:t>
             </a:r>
             <a:endParaRPr/>
@@ -4144,7 +4159,7 @@
           <a:p>
             <a:fld id="{15BAAE7D-7912-B445-AAA7-9E6395770C35}" type="datetimeFigureOut">
               <a:rPr lang="en-US" smtClean="0"/>
-              <a:t>3/28/16</a:t>
+              <a:t>10/22/2018</a:t>
             </a:fld>
             <a:endParaRPr lang="en-US"/>
           </a:p>
@@ -4242,7 +4257,7 @@
           <a:p>
             <a:fld id="{15BAAE7D-7912-B445-AAA7-9E6395770C35}" type="datetimeFigureOut">
               <a:rPr lang="en-US" smtClean="0"/>
-              <a:t>3/28/16</a:t>
+              <a:t>10/22/2018</a:t>
             </a:fld>
             <a:endParaRPr lang="en-US"/>
           </a:p>
@@ -4356,7 +4371,7 @@
           </a:lstStyle>
           <a:p>
             <a:r>
-              <a:rPr lang="en-US" smtClean="0"/>
+              <a:rPr lang="en-US"/>
               <a:t>Click to edit Master title style</a:t>
             </a:r>
             <a:endParaRPr/>
@@ -4413,35 +4428,35 @@
           <a:p>
             <a:pPr lvl="0"/>
             <a:r>
-              <a:rPr lang="en-US" smtClean="0"/>
+              <a:rPr lang="en-US"/>
               <a:t>Click to edit Master text styles</a:t>
             </a:r>
           </a:p>
           <a:p>
             <a:pPr lvl="1"/>
             <a:r>
-              <a:rPr lang="en-US" smtClean="0"/>
+              <a:rPr lang="en-US"/>
               <a:t>Second level</a:t>
             </a:r>
           </a:p>
           <a:p>
             <a:pPr lvl="2"/>
             <a:r>
-              <a:rPr lang="en-US" smtClean="0"/>
+              <a:rPr lang="en-US"/>
               <a:t>Third level</a:t>
             </a:r>
           </a:p>
           <a:p>
             <a:pPr lvl="3"/>
             <a:r>
-              <a:rPr lang="en-US" smtClean="0"/>
+              <a:rPr lang="en-US"/>
               <a:t>Fourth level</a:t>
             </a:r>
           </a:p>
           <a:p>
             <a:pPr lvl="4"/>
             <a:r>
-              <a:rPr lang="en-US" smtClean="0"/>
+              <a:rPr lang="en-US"/>
               <a:t>Fifth level</a:t>
             </a:r>
             <a:endParaRPr dirty="0"/>
@@ -4551,7 +4566,7 @@
           <a:p>
             <a:pPr lvl="0"/>
             <a:r>
-              <a:rPr lang="en-US" smtClean="0"/>
+              <a:rPr lang="en-US"/>
               <a:t>Click to edit Master text styles</a:t>
             </a:r>
           </a:p>
@@ -4582,7 +4597,7 @@
           <a:p>
             <a:fld id="{15BAAE7D-7912-B445-AAA7-9E6395770C35}" type="datetimeFigureOut">
               <a:rPr lang="en-US" smtClean="0"/>
-              <a:t>3/28/16</a:t>
+              <a:t>10/22/2018</a:t>
             </a:fld>
             <a:endParaRPr lang="en-US"/>
           </a:p>
@@ -4689,7 +4704,7 @@
           <a:lstStyle/>
           <a:p>
             <a:r>
-              <a:rPr lang="en-US" smtClean="0"/>
+              <a:rPr lang="en-US"/>
               <a:t>Click to edit Master title style</a:t>
             </a:r>
             <a:endParaRPr/>
@@ -4723,35 +4738,35 @@
           <a:p>
             <a:pPr lvl="0"/>
             <a:r>
-              <a:rPr lang="en-US" smtClean="0"/>
+              <a:rPr lang="en-US"/>
               <a:t>Click to edit Master text styles</a:t>
             </a:r>
           </a:p>
           <a:p>
             <a:pPr lvl="1"/>
             <a:r>
-              <a:rPr lang="en-US" smtClean="0"/>
+              <a:rPr lang="en-US"/>
               <a:t>Second level</a:t>
             </a:r>
           </a:p>
           <a:p>
             <a:pPr lvl="2"/>
             <a:r>
-              <a:rPr lang="en-US" smtClean="0"/>
+              <a:rPr lang="en-US"/>
               <a:t>Third level</a:t>
             </a:r>
           </a:p>
           <a:p>
             <a:pPr lvl="3"/>
             <a:r>
-              <a:rPr lang="en-US" smtClean="0"/>
+              <a:rPr lang="en-US"/>
               <a:t>Fourth level</a:t>
             </a:r>
           </a:p>
           <a:p>
             <a:pPr lvl="4"/>
             <a:r>
-              <a:rPr lang="en-US" smtClean="0"/>
+              <a:rPr lang="en-US"/>
               <a:t>Fifth level</a:t>
             </a:r>
             <a:endParaRPr dirty="0"/>
@@ -5310,27 +5325,12 @@
           <a:p>
             <a:pPr algn="ctr"/>
             <a:r>
-              <a:rPr lang="en-US" sz="2800" dirty="0" smtClean="0">
+              <a:rPr lang="en-US" sz="2800" dirty="0">
                 <a:solidFill>
                   <a:schemeClr val="tx1"/>
                 </a:solidFill>
               </a:rPr>
               <a:t>CS 419: Production Rendering</a:t>
-            </a:r>
-            <a:br>
-              <a:rPr lang="en-US" sz="2800" dirty="0" smtClean="0">
-                <a:solidFill>
-                  <a:schemeClr val="tx1"/>
-                </a:solidFill>
-              </a:rPr>
-            </a:br>
-            <a:r>
-              <a:rPr lang="en-US" sz="2800" dirty="0">
-                <a:solidFill>
-                  <a:schemeClr val="tx1"/>
-                </a:solidFill>
-              </a:rPr>
-              <a:t/>
             </a:r>
             <a:br>
               <a:rPr lang="en-US" sz="2800" dirty="0">
@@ -5339,23 +5339,22 @@
                 </a:solidFill>
               </a:rPr>
             </a:br>
-            <a:r>
-              <a:rPr lang="en-US" sz="2800" dirty="0" smtClean="0">
-                <a:solidFill>
-                  <a:schemeClr val="tx1"/>
-                </a:solidFill>
-              </a:rPr>
-              <a:t/>
-            </a:r>
             <a:br>
-              <a:rPr lang="en-US" sz="2800" dirty="0" smtClean="0">
+              <a:rPr lang="en-US" sz="2800" dirty="0">
                 <a:solidFill>
                   <a:schemeClr val="tx1"/>
                 </a:solidFill>
               </a:rPr>
             </a:br>
-            <a:r>
-              <a:rPr lang="en-US" sz="2800" dirty="0" smtClean="0">
+            <a:br>
+              <a:rPr lang="en-US" sz="2800" dirty="0">
+                <a:solidFill>
+                  <a:schemeClr val="tx1"/>
+                </a:solidFill>
+              </a:rPr>
+            </a:br>
+            <a:r>
+              <a:rPr lang="en-US" sz="2800" dirty="0">
                 <a:solidFill>
                   <a:schemeClr val="tx1"/>
                 </a:solidFill>
@@ -5410,7 +5409,7 @@
               <a:buNone/>
             </a:pPr>
             <a:r>
-              <a:rPr lang="en-US" sz="2400" dirty="0" smtClean="0">
+              <a:rPr lang="en-US" sz="2400" dirty="0">
                 <a:solidFill>
                   <a:schemeClr val="tx2"/>
                 </a:solidFill>
@@ -5427,14 +5426,14 @@
               <a:buNone/>
             </a:pPr>
             <a:r>
-              <a:rPr lang="en-US" dirty="0" smtClean="0">
+              <a:rPr lang="en-US" dirty="0">
                 <a:solidFill>
                   <a:schemeClr val="tx2"/>
                 </a:solidFill>
               </a:rPr>
               <a:t> </a:t>
             </a:r>
-            <a:endParaRPr lang="en-US" sz="300" dirty="0" smtClean="0">
+            <a:endParaRPr lang="en-US" sz="300" dirty="0">
               <a:solidFill>
                 <a:schemeClr val="tx2"/>
               </a:solidFill>
@@ -5506,21 +5505,6 @@
   <p:clrMapOvr>
     <a:masterClrMapping/>
   </p:clrMapOvr>
-  <mc:AlternateContent xmlns:mc="http://schemas.openxmlformats.org/markup-compatibility/2006" xmlns:p14="http://schemas.microsoft.com/office/powerpoint/2010/main">
-    <mc:Choice Requires="p14">
-      <p:transition spd="slow" p14:dur="2000"/>
-    </mc:Choice>
-    <mc:Fallback xmlns="">
-      <p:transition xmlns:p14="http://schemas.microsoft.com/office/powerpoint/2010/main" spd="slow"/>
-    </mc:Fallback>
-  </mc:AlternateContent>
-  <p:timing>
-    <p:tnLst>
-      <p:par>
-        <p:cTn xmlns:p14="http://schemas.microsoft.com/office/powerpoint/2010/main" id="1" dur="indefinite" restart="never" nodeType="tmRoot"/>
-      </p:par>
-    </p:tnLst>
-  </p:timing>
 </p:sld>
 </file>
 
@@ -5557,10 +5541,9 @@
           <a:lstStyle/>
           <a:p>
             <a:r>
-              <a:rPr lang="en-US" dirty="0" smtClean="0"/>
+              <a:rPr lang="en-US" dirty="0"/>
               <a:t>Estimating Direct Illumination</a:t>
             </a:r>
-            <a:endParaRPr lang="en-US" dirty="0"/>
           </a:p>
         </p:txBody>
       </p:sp>
@@ -5587,31 +5570,31 @@
           <a:lstStyle/>
           <a:p>
             <a:r>
-              <a:rPr lang="en-US" dirty="0" smtClean="0"/>
+              <a:rPr lang="en-US" dirty="0"/>
               <a:t>We have n sample points</a:t>
             </a:r>
           </a:p>
           <a:p>
             <a:r>
-              <a:rPr lang="en-US" dirty="0" smtClean="0"/>
+              <a:rPr lang="en-US" dirty="0"/>
               <a:t>p() is the probability distribution function over the light surface</a:t>
             </a:r>
           </a:p>
           <a:p>
             <a:r>
-              <a:rPr lang="en-US" dirty="0" smtClean="0"/>
+              <a:rPr lang="en-US" dirty="0"/>
               <a:t>p() can be hard to determine in general</a:t>
             </a:r>
           </a:p>
           <a:p>
             <a:r>
-              <a:rPr lang="en-US" dirty="0" smtClean="0"/>
+              <a:rPr lang="en-US" dirty="0"/>
               <a:t>In practice use uniform distribution</a:t>
             </a:r>
           </a:p>
           <a:p>
             <a:r>
-              <a:rPr lang="en-US" dirty="0" smtClean="0"/>
+              <a:rPr lang="en-US" dirty="0"/>
               <a:t>Recall</a:t>
             </a:r>
           </a:p>
@@ -5645,7 +5628,7 @@
           <a:graphicData uri="http://schemas.openxmlformats.org/presentationml/2006/ole">
             <mc:AlternateContent xmlns:mc="http://schemas.openxmlformats.org/markup-compatibility/2006">
               <mc:Choice xmlns:v="urn:schemas-microsoft-com:vml" Requires="v">
-                <p:oleObj spid="_x0000_s2070" name="Equation" r:id="rId3" imgW="3606800" imgH="444500" progId="Equation.3">
+                <p:oleObj spid="_x0000_s2076" name="Equation" r:id="rId3" imgW="3606800" imgH="444500" progId="Equation.3">
                   <p:embed/>
                 </p:oleObj>
               </mc:Choice>
@@ -5702,7 +5685,7 @@
           <a:graphicData uri="http://schemas.openxmlformats.org/presentationml/2006/ole">
             <mc:AlternateContent xmlns:mc="http://schemas.openxmlformats.org/markup-compatibility/2006">
               <mc:Choice xmlns:v="urn:schemas-microsoft-com:vml" Requires="v">
-                <p:oleObj spid="_x0000_s2071" name="Equation" r:id="rId5" imgW="698500" imgH="419100" progId="Equation.3">
+                <p:oleObj spid="_x0000_s2077" name="Equation" r:id="rId5" imgW="698500" imgH="419100" progId="Equation.3">
                   <p:embed/>
                 </p:oleObj>
               </mc:Choice>
@@ -5759,7 +5742,7 @@
           <a:graphicData uri="http://schemas.openxmlformats.org/presentationml/2006/ole">
             <mc:AlternateContent xmlns:mc="http://schemas.openxmlformats.org/markup-compatibility/2006">
               <mc:Choice xmlns:v="urn:schemas-microsoft-com:vml" Requires="v">
-                <p:oleObj spid="_x0000_s2072" name="Equation" r:id="rId7" imgW="1371600" imgH="469900" progId="Equation.3">
+                <p:oleObj spid="_x0000_s2078" name="Equation" r:id="rId7" imgW="1371600" imgH="469900" progId="Equation.3">
                   <p:embed/>
                 </p:oleObj>
               </mc:Choice>
@@ -5840,10 +5823,9 @@
           <a:lstStyle/>
           <a:p>
             <a:r>
-              <a:rPr lang="en-US" dirty="0" smtClean="0"/>
+              <a:rPr lang="en-US" dirty="0"/>
               <a:t>Sources of Noise with Area Lights</a:t>
             </a:r>
-            <a:endParaRPr lang="en-US" dirty="0"/>
           </a:p>
         </p:txBody>
       </p:sp>
@@ -5868,45 +5850,45 @@
           <a:lstStyle/>
           <a:p>
             <a:r>
-              <a:rPr lang="en-US" dirty="0" smtClean="0"/>
+              <a:rPr lang="en-US" dirty="0"/>
               <a:t>Penumbra can be noisy</a:t>
             </a:r>
           </a:p>
           <a:p>
             <a:pPr lvl="1"/>
             <a:r>
-              <a:rPr lang="en-US" dirty="0" smtClean="0"/>
+              <a:rPr lang="en-US" dirty="0"/>
               <a:t>Why?</a:t>
             </a:r>
           </a:p>
           <a:p>
             <a:pPr lvl="1"/>
             <a:r>
-              <a:rPr lang="en-US" dirty="0" smtClean="0"/>
+              <a:rPr lang="en-US" dirty="0"/>
               <a:t>So if a hit point is in a penumbra it will require a large number of samples to resolve correctly</a:t>
             </a:r>
           </a:p>
           <a:p>
             <a:r>
-              <a:rPr lang="en-US" dirty="0" smtClean="0"/>
+              <a:rPr lang="en-US" dirty="0"/>
               <a:t>If the area light is large, the estimator can exhibit a lot of variation</a:t>
             </a:r>
           </a:p>
           <a:p>
             <a:pPr lvl="1"/>
             <a:r>
-              <a:rPr lang="en-US" dirty="0" smtClean="0"/>
+              <a:rPr lang="en-US" dirty="0"/>
               <a:t>So it will take a lot of samples to converge</a:t>
             </a:r>
             <a:br>
-              <a:rPr lang="en-US" dirty="0" smtClean="0"/>
+              <a:rPr lang="en-US" dirty="0"/>
             </a:br>
-            <a:endParaRPr lang="en-US" dirty="0" smtClean="0"/>
+            <a:endParaRPr lang="en-US" dirty="0"/>
           </a:p>
           <a:p>
             <a:pPr lvl="1"/>
             <a:r>
-              <a:rPr lang="en-US" dirty="0" smtClean="0"/>
+              <a:rPr lang="en-US" dirty="0"/>
               <a:t>Why? It has to do with </a:t>
             </a:r>
           </a:p>
@@ -5937,7 +5919,7 @@
           <a:graphicData uri="http://schemas.openxmlformats.org/presentationml/2006/ole">
             <mc:AlternateContent xmlns:mc="http://schemas.openxmlformats.org/markup-compatibility/2006">
               <mc:Choice xmlns:v="urn:schemas-microsoft-com:vml" Requires="v">
-                <p:oleObj spid="_x0000_s3078" name="Equation" r:id="rId3" imgW="1371600" imgH="469900" progId="Equation.3">
+                <p:oleObj spid="_x0000_s3080" name="Equation" r:id="rId3" imgW="1371600" imgH="469900" progId="Equation.3">
                   <p:embed/>
                 </p:oleObj>
               </mc:Choice>
@@ -6023,10 +6005,9 @@
           <a:lstStyle/>
           <a:p>
             <a:r>
-              <a:rPr lang="en-US" dirty="0" smtClean="0"/>
+              <a:rPr lang="en-US" dirty="0"/>
               <a:t>Example</a:t>
             </a:r>
-            <a:endParaRPr lang="en-US" dirty="0"/>
           </a:p>
         </p:txBody>
       </p:sp>
@@ -6053,14 +6034,14 @@
             <a:pPr marL="0" indent="0">
               <a:buNone/>
             </a:pPr>
-            <a:endParaRPr lang="en-US" dirty="0" smtClean="0"/>
+            <a:endParaRPr lang="en-US" dirty="0"/>
           </a:p>
           <a:p>
             <a:pPr marL="0" indent="0">
               <a:buNone/>
             </a:pPr>
             <a:r>
-              <a:rPr lang="en-US" dirty="0" smtClean="0"/>
+              <a:rPr lang="en-US" dirty="0"/>
               <a:t>(a) 1 ray per pixel                            (b) 100 rays per pixel</a:t>
             </a:r>
           </a:p>
@@ -6068,19 +6049,19 @@
             <a:endParaRPr lang="en-US" dirty="0"/>
           </a:p>
           <a:p>
-            <a:endParaRPr lang="en-US" dirty="0" smtClean="0"/>
-          </a:p>
-          <a:p>
             <a:endParaRPr lang="en-US" dirty="0"/>
           </a:p>
           <a:p>
-            <a:endParaRPr lang="en-US" dirty="0" smtClean="0"/>
-          </a:p>
-          <a:p>
             <a:endParaRPr lang="en-US" dirty="0"/>
           </a:p>
           <a:p>
-            <a:endParaRPr lang="en-US" dirty="0" smtClean="0"/>
+            <a:endParaRPr lang="en-US" dirty="0"/>
+          </a:p>
+          <a:p>
+            <a:endParaRPr lang="en-US" dirty="0"/>
+          </a:p>
+          <a:p>
+            <a:endParaRPr lang="en-US" dirty="0"/>
           </a:p>
           <a:p>
             <a:endParaRPr lang="en-US" dirty="0"/>
@@ -6198,10 +6179,9 @@
           <a:lstStyle/>
           <a:p>
             <a:r>
-              <a:rPr lang="en-US" dirty="0" smtClean="0"/>
+              <a:rPr lang="en-US" dirty="0"/>
               <a:t>Example</a:t>
             </a:r>
-            <a:endParaRPr lang="en-US" dirty="0"/>
           </a:p>
         </p:txBody>
       </p:sp>
@@ -6228,14 +6208,14 @@
             <a:pPr marL="0" indent="0">
               <a:buNone/>
             </a:pPr>
-            <a:endParaRPr lang="en-US" dirty="0" smtClean="0"/>
+            <a:endParaRPr lang="en-US" dirty="0"/>
           </a:p>
           <a:p>
             <a:pPr marL="0" indent="0">
               <a:buNone/>
             </a:pPr>
             <a:r>
-              <a:rPr lang="en-US" dirty="0" smtClean="0"/>
+              <a:rPr lang="en-US" dirty="0"/>
               <a:t>(a) Disc Light                            (b) Spherical Light</a:t>
             </a:r>
           </a:p>
@@ -6243,19 +6223,19 @@
             <a:endParaRPr lang="en-US" dirty="0"/>
           </a:p>
           <a:p>
-            <a:endParaRPr lang="en-US" dirty="0" smtClean="0"/>
-          </a:p>
-          <a:p>
             <a:endParaRPr lang="en-US" dirty="0"/>
           </a:p>
           <a:p>
-            <a:endParaRPr lang="en-US" dirty="0" smtClean="0"/>
-          </a:p>
-          <a:p>
             <a:endParaRPr lang="en-US" dirty="0"/>
           </a:p>
           <a:p>
-            <a:endParaRPr lang="en-US" dirty="0" smtClean="0"/>
+            <a:endParaRPr lang="en-US" dirty="0"/>
+          </a:p>
+          <a:p>
+            <a:endParaRPr lang="en-US" dirty="0"/>
+          </a:p>
+          <a:p>
+            <a:endParaRPr lang="en-US" dirty="0"/>
           </a:p>
           <a:p>
             <a:endParaRPr lang="en-US" dirty="0"/>
@@ -6373,10 +6353,9 @@
           <a:lstStyle/>
           <a:p>
             <a:r>
-              <a:rPr lang="en-US" dirty="0" smtClean="0"/>
+              <a:rPr lang="en-US" dirty="0"/>
               <a:t>Why is the Spherical Light Noisy?</a:t>
             </a:r>
-            <a:endParaRPr lang="en-US" dirty="0"/>
           </a:p>
         </p:txBody>
       </p:sp>
@@ -6403,31 +6382,31 @@
           <a:lstStyle/>
           <a:p>
             <a:r>
-              <a:rPr lang="en-US" dirty="0" smtClean="0"/>
+              <a:rPr lang="en-US" dirty="0"/>
               <a:t>Both lights use 100 rays per pixel</a:t>
             </a:r>
             <a:br>
-              <a:rPr lang="en-US" dirty="0" smtClean="0"/>
+              <a:rPr lang="en-US" dirty="0"/>
             </a:br>
-            <a:endParaRPr lang="en-US" dirty="0" smtClean="0"/>
-          </a:p>
-          <a:p>
-            <a:r>
-              <a:rPr lang="en-US" dirty="0" smtClean="0"/>
+            <a:endParaRPr lang="en-US" dirty="0"/>
+          </a:p>
+          <a:p>
+            <a:r>
+              <a:rPr lang="en-US" dirty="0"/>
               <a:t>The spherical light uniformly samples the surface</a:t>
             </a:r>
             <a:br>
-              <a:rPr lang="en-US" dirty="0" smtClean="0"/>
+              <a:rPr lang="en-US" dirty="0"/>
             </a:br>
             <a:r>
-              <a:rPr lang="en-US" dirty="0" smtClean="0"/>
+              <a:rPr lang="en-US" dirty="0"/>
               <a:t> </a:t>
             </a:r>
           </a:p>
           <a:p>
             <a:pPr lvl="1"/>
             <a:r>
-              <a:rPr lang="en-US" dirty="0" smtClean="0"/>
+              <a:rPr lang="en-US" dirty="0"/>
               <a:t>  </a:t>
             </a:r>
           </a:p>
@@ -6438,35 +6417,35 @@
           <a:p>
             <a:pPr lvl="1"/>
             <a:r>
-              <a:rPr lang="en-US" dirty="0" smtClean="0"/>
+              <a:rPr lang="en-US" dirty="0"/>
               <a:t>The </a:t>
             </a:r>
             <a:r>
-              <a:rPr lang="en-US" dirty="0" err="1" smtClean="0"/>
+              <a:rPr lang="en-US" dirty="0" err="1"/>
               <a:t>cos</a:t>
             </a:r>
             <a:r>
-              <a:rPr lang="en-US" dirty="0" smtClean="0"/>
+              <a:rPr lang="en-US" dirty="0"/>
               <a:t> term in G() varies significantly</a:t>
             </a:r>
           </a:p>
           <a:p>
             <a:r>
-              <a:rPr lang="en-US" dirty="0" smtClean="0"/>
+              <a:rPr lang="en-US" dirty="0"/>
               <a:t>Note that the shadow shapes are </a:t>
             </a:r>
             <a:r>
-              <a:rPr lang="en-US" dirty="0" err="1" smtClean="0"/>
+              <a:rPr lang="en-US" dirty="0" err="1"/>
               <a:t>relativlely</a:t>
             </a:r>
             <a:r>
-              <a:rPr lang="en-US" dirty="0" smtClean="0"/>
+              <a:rPr lang="en-US" dirty="0"/>
               <a:t> insensitive to light geometry</a:t>
             </a:r>
           </a:p>
           <a:p>
             <a:pPr lvl="1"/>
-            <a:endParaRPr lang="en-US" dirty="0" smtClean="0"/>
+            <a:endParaRPr lang="en-US" dirty="0"/>
           </a:p>
           <a:p>
             <a:pPr marL="0" indent="0">
@@ -6475,19 +6454,19 @@
             <a:endParaRPr lang="en-US" dirty="0"/>
           </a:p>
           <a:p>
-            <a:endParaRPr lang="en-US" dirty="0" smtClean="0"/>
-          </a:p>
-          <a:p>
             <a:endParaRPr lang="en-US" dirty="0"/>
           </a:p>
           <a:p>
-            <a:endParaRPr lang="en-US" dirty="0" smtClean="0"/>
-          </a:p>
-          <a:p>
             <a:endParaRPr lang="en-US" dirty="0"/>
           </a:p>
           <a:p>
-            <a:endParaRPr lang="en-US" dirty="0" smtClean="0"/>
+            <a:endParaRPr lang="en-US" dirty="0"/>
+          </a:p>
+          <a:p>
+            <a:endParaRPr lang="en-US" dirty="0"/>
+          </a:p>
+          <a:p>
+            <a:endParaRPr lang="en-US" dirty="0"/>
           </a:p>
           <a:p>
             <a:endParaRPr lang="en-US" dirty="0"/>
@@ -6576,7 +6555,7 @@
           <a:graphicData uri="http://schemas.openxmlformats.org/presentationml/2006/ole">
             <mc:AlternateContent xmlns:mc="http://schemas.openxmlformats.org/markup-compatibility/2006">
               <mc:Choice xmlns:v="urn:schemas-microsoft-com:vml" Requires="v">
-                <p:oleObj spid="_x0000_s4101" name="Equation" r:id="rId5" imgW="609600" imgH="393700" progId="Equation.3">
+                <p:oleObj spid="_x0000_s4103" name="Equation" r:id="rId5" imgW="609600" imgH="393700" progId="Equation.3">
                   <p:embed/>
                 </p:oleObj>
               </mc:Choice>
@@ -6662,10 +6641,9 @@
           <a:lstStyle/>
           <a:p>
             <a:r>
-              <a:rPr lang="en-US" dirty="0" smtClean="0"/>
+              <a:rPr lang="en-US" dirty="0"/>
               <a:t>Overflow</a:t>
             </a:r>
-            <a:endParaRPr lang="en-US" dirty="0"/>
           </a:p>
         </p:txBody>
       </p:sp>
@@ -6692,55 +6670,55 @@
           <a:lstStyle/>
           <a:p>
             <a:r>
-              <a:rPr lang="en-US" dirty="0" smtClean="0"/>
+              <a:rPr lang="en-US" dirty="0"/>
               <a:t>The area light touches the plane</a:t>
             </a:r>
           </a:p>
           <a:p>
             <a:r>
-              <a:rPr lang="en-US" dirty="0" smtClean="0"/>
+              <a:rPr lang="en-US" dirty="0"/>
               <a:t>Note that overflow occurs around the light….</a:t>
             </a:r>
           </a:p>
           <a:p>
             <a:pPr lvl="1"/>
             <a:r>
-              <a:rPr lang="en-US" dirty="0" smtClean="0"/>
+              <a:rPr lang="en-US" dirty="0"/>
               <a:t>Why?</a:t>
             </a:r>
           </a:p>
           <a:p>
             <a:r>
-              <a:rPr lang="en-US" dirty="0" smtClean="0"/>
+              <a:rPr lang="en-US" dirty="0"/>
               <a:t>Can fix this in several ways</a:t>
             </a:r>
           </a:p>
           <a:p>
             <a:pPr lvl="1"/>
             <a:r>
-              <a:rPr lang="en-US" dirty="0" smtClean="0"/>
+              <a:rPr lang="en-US" dirty="0"/>
               <a:t>Keep lights away from objects</a:t>
             </a:r>
           </a:p>
           <a:p>
             <a:pPr lvl="1"/>
             <a:r>
-              <a:rPr lang="en-US" dirty="0" smtClean="0"/>
+              <a:rPr lang="en-US" dirty="0"/>
               <a:t>Use a PDF that includes a 1/d</a:t>
             </a:r>
             <a:r>
-              <a:rPr lang="en-US" baseline="30000" dirty="0" smtClean="0"/>
+              <a:rPr lang="en-US" baseline="30000" dirty="0"/>
               <a:t>2 </a:t>
             </a:r>
             <a:r>
-              <a:rPr lang="en-US" dirty="0" smtClean="0"/>
+              <a:rPr lang="en-US" dirty="0"/>
               <a:t>term</a:t>
             </a:r>
           </a:p>
           <a:p>
             <a:pPr lvl="1"/>
             <a:r>
-              <a:rPr lang="en-US" dirty="0" smtClean="0"/>
+              <a:rPr lang="en-US" dirty="0"/>
               <a:t>Use the hemisphere rather than area form of the rendering equation</a:t>
             </a:r>
           </a:p>
@@ -6751,19 +6729,19 @@
             <a:endParaRPr lang="en-US" dirty="0"/>
           </a:p>
           <a:p>
-            <a:endParaRPr lang="en-US" dirty="0" smtClean="0"/>
-          </a:p>
-          <a:p>
             <a:endParaRPr lang="en-US" dirty="0"/>
           </a:p>
           <a:p>
-            <a:endParaRPr lang="en-US" dirty="0" smtClean="0"/>
-          </a:p>
-          <a:p>
             <a:endParaRPr lang="en-US" dirty="0"/>
           </a:p>
           <a:p>
-            <a:endParaRPr lang="en-US" dirty="0" smtClean="0"/>
+            <a:endParaRPr lang="en-US" dirty="0"/>
+          </a:p>
+          <a:p>
+            <a:endParaRPr lang="en-US" dirty="0"/>
+          </a:p>
+          <a:p>
+            <a:endParaRPr lang="en-US" dirty="0"/>
           </a:p>
           <a:p>
             <a:endParaRPr lang="en-US" dirty="0"/>
@@ -6876,10 +6854,9 @@
           <a:lstStyle/>
           <a:p>
             <a:r>
-              <a:rPr lang="en-US" dirty="0" smtClean="0"/>
+              <a:rPr lang="en-US" dirty="0"/>
               <a:t>Environment Light</a:t>
             </a:r>
-            <a:endParaRPr lang="en-US" dirty="0"/>
           </a:p>
         </p:txBody>
       </p:sp>
@@ -6906,58 +6883,57 @@
           <a:lstStyle/>
           <a:p>
             <a:r>
-              <a:rPr lang="en-US" dirty="0" smtClean="0"/>
+              <a:rPr lang="en-US" dirty="0"/>
               <a:t>An Environment Light</a:t>
             </a:r>
           </a:p>
           <a:p>
             <a:pPr lvl="1"/>
             <a:r>
-              <a:rPr lang="en-US" dirty="0" smtClean="0"/>
+              <a:rPr lang="en-US" dirty="0"/>
               <a:t>Is an infinitely large spherical (or </a:t>
             </a:r>
             <a:r>
-              <a:rPr lang="en-US" dirty="0" err="1" smtClean="0"/>
+              <a:rPr lang="en-US" dirty="0" err="1"/>
               <a:t>hemipsherical</a:t>
             </a:r>
             <a:r>
-              <a:rPr lang="en-US" dirty="0" smtClean="0"/>
+              <a:rPr lang="en-US" dirty="0"/>
               <a:t>) light</a:t>
             </a:r>
           </a:p>
           <a:p>
             <a:pPr lvl="1"/>
             <a:r>
-              <a:rPr lang="en-US" dirty="0" smtClean="0"/>
+              <a:rPr lang="en-US" dirty="0"/>
               <a:t>Surrounds the scene</a:t>
             </a:r>
           </a:p>
           <a:p>
             <a:pPr lvl="1"/>
             <a:r>
-              <a:rPr lang="en-US" dirty="0" smtClean="0"/>
+              <a:rPr lang="en-US" dirty="0"/>
               <a:t>Emissive material with possibly spatially varying color</a:t>
             </a:r>
           </a:p>
           <a:p>
             <a:r>
-              <a:rPr lang="en-US" dirty="0" smtClean="0"/>
+              <a:rPr lang="en-US" dirty="0"/>
               <a:t>Shoot shadow rays using cosine distribution</a:t>
             </a:r>
           </a:p>
           <a:p>
             <a:pPr lvl="1"/>
             <a:r>
-              <a:rPr lang="en-US" dirty="0" smtClean="0"/>
+              <a:rPr lang="en-US" dirty="0"/>
               <a:t>Use hemisphere form of the rendering equation</a:t>
             </a:r>
           </a:p>
           <a:p>
             <a:r>
-              <a:rPr lang="en-US" dirty="0" smtClean="0"/>
+              <a:rPr lang="en-US" dirty="0"/>
               <a:t>Monte Carlo Estimator is </a:t>
             </a:r>
-            <a:endParaRPr lang="en-US" dirty="0"/>
           </a:p>
         </p:txBody>
       </p:sp>
@@ -6983,7 +6959,7 @@
           <a:graphicData uri="http://schemas.openxmlformats.org/presentationml/2006/ole">
             <mc:AlternateContent xmlns:mc="http://schemas.openxmlformats.org/markup-compatibility/2006">
               <mc:Choice xmlns:v="urn:schemas-microsoft-com:vml" Requires="v">
-                <p:oleObj spid="_x0000_s6146" name="Equation" r:id="rId3" imgW="3124200" imgH="863600" progId="Equation.3">
+                <p:oleObj spid="_x0000_s6148" name="Equation" r:id="rId3" imgW="3124200" imgH="863600" progId="Equation.3">
                   <p:embed/>
                 </p:oleObj>
               </mc:Choice>
@@ -7064,10 +7040,9 @@
           <a:lstStyle/>
           <a:p>
             <a:r>
-              <a:rPr lang="en-US" dirty="0" smtClean="0"/>
+              <a:rPr lang="en-US" dirty="0"/>
               <a:t>Example</a:t>
             </a:r>
-            <a:endParaRPr lang="en-US" dirty="0"/>
           </a:p>
         </p:txBody>
       </p:sp>
@@ -7094,7 +7069,7 @@
           <a:lstStyle/>
           <a:p>
             <a:r>
-              <a:rPr lang="en-US" dirty="0" smtClean="0"/>
+              <a:rPr lang="en-US" dirty="0"/>
               <a:t>Environment lights simulate outdoor lighting conditions</a:t>
             </a:r>
           </a:p>
@@ -7103,31 +7078,30 @@
           </a:p>
           <a:p>
             <a:r>
-              <a:rPr lang="en-US" dirty="0" smtClean="0"/>
+              <a:rPr lang="en-US" dirty="0"/>
               <a:t>Here we have</a:t>
             </a:r>
           </a:p>
           <a:p>
             <a:pPr lvl="1"/>
             <a:r>
-              <a:rPr lang="en-US" dirty="0" smtClean="0"/>
+              <a:rPr lang="en-US" dirty="0"/>
               <a:t> yellow environment light</a:t>
             </a:r>
           </a:p>
           <a:p>
             <a:pPr lvl="1"/>
             <a:r>
-              <a:rPr lang="en-US" dirty="0" smtClean="0"/>
+              <a:rPr lang="en-US" dirty="0"/>
               <a:t>orange directional light</a:t>
             </a:r>
           </a:p>
           <a:p>
             <a:pPr lvl="1"/>
             <a:r>
-              <a:rPr lang="en-US" dirty="0" smtClean="0"/>
+              <a:rPr lang="en-US" dirty="0"/>
               <a:t>ambient occlusion</a:t>
             </a:r>
-            <a:endParaRPr lang="en-US" dirty="0"/>
           </a:p>
         </p:txBody>
       </p:sp>
@@ -7207,10 +7181,9 @@
           <a:lstStyle/>
           <a:p>
             <a:r>
-              <a:rPr lang="en-US" dirty="0" smtClean="0"/>
+              <a:rPr lang="en-US" dirty="0"/>
               <a:t>Objectives</a:t>
             </a:r>
-            <a:endParaRPr lang="en-US" dirty="0"/>
           </a:p>
         </p:txBody>
       </p:sp>
@@ -7237,27 +7210,21 @@
           <a:lstStyle/>
           <a:p>
             <a:r>
-              <a:rPr lang="en-US" dirty="0" smtClean="0"/>
-              <a:t>Understand  how </a:t>
-            </a:r>
-            <a:r>
-              <a:rPr lang="en-US" dirty="0" smtClean="0"/>
-              <a:t>area lights are modeled and rendered</a:t>
-            </a:r>
-            <a:endParaRPr lang="en-US" dirty="0" smtClean="0"/>
-          </a:p>
-          <a:p>
-            <a:r>
-              <a:rPr lang="en-US" dirty="0" smtClean="0"/>
+              <a:rPr lang="en-US" dirty="0"/>
+              <a:t>Understand  how area lights are modeled and rendered</a:t>
+            </a:r>
+          </a:p>
+          <a:p>
+            <a:r>
+              <a:rPr lang="en-US" dirty="0"/>
               <a:t>Understand the idea of an environmental light</a:t>
             </a:r>
           </a:p>
           <a:p>
             <a:r>
-              <a:rPr lang="en-US" dirty="0" smtClean="0"/>
+              <a:rPr lang="en-US" dirty="0"/>
               <a:t>Be able to implement both</a:t>
             </a:r>
-            <a:endParaRPr lang="en-US" dirty="0" smtClean="0"/>
           </a:p>
           <a:p>
             <a:pPr marL="0" indent="0">
@@ -7348,14 +7315,9 @@
           <a:lstStyle/>
           <a:p>
             <a:r>
-              <a:rPr lang="en-US" dirty="0" smtClean="0"/>
-              <a:t>What is </a:t>
-            </a:r>
-            <a:r>
-              <a:rPr lang="en-US" dirty="0" smtClean="0"/>
-              <a:t>an area light?</a:t>
-            </a:r>
-            <a:endParaRPr lang="en-US" dirty="0"/>
+              <a:rPr lang="en-US" dirty="0"/>
+              <a:t>What is an area light?</a:t>
+            </a:r>
           </a:p>
         </p:txBody>
       </p:sp>
@@ -7380,43 +7342,42 @@
           <a:lstStyle/>
           <a:p>
             <a:r>
-              <a:rPr lang="en-US" dirty="0" smtClean="0"/>
+              <a:rPr lang="en-US" dirty="0"/>
               <a:t>An area light has a finite area</a:t>
             </a:r>
           </a:p>
           <a:p>
             <a:pPr lvl="1"/>
             <a:r>
-              <a:rPr lang="en-US" dirty="0" smtClean="0"/>
+              <a:rPr lang="en-US" dirty="0"/>
               <a:t>In addition to position, orientation, color, and luminance</a:t>
             </a:r>
           </a:p>
           <a:p>
             <a:r>
-              <a:rPr lang="en-US" dirty="0" smtClean="0"/>
+              <a:rPr lang="en-US" dirty="0"/>
               <a:t>Adding area lights greatly increases the realism in a lit scene</a:t>
             </a:r>
           </a:p>
           <a:p>
             <a:pPr lvl="1"/>
             <a:r>
-              <a:rPr lang="en-US" dirty="0" smtClean="0"/>
+              <a:rPr lang="en-US" dirty="0"/>
               <a:t>You get soft shadows as opposed to just hard-edged shadows</a:t>
             </a:r>
           </a:p>
           <a:p>
             <a:r>
-              <a:rPr lang="en-US" dirty="0" smtClean="0"/>
+              <a:rPr lang="en-US" dirty="0"/>
               <a:t>Area lights require more sampling per pixel</a:t>
             </a:r>
           </a:p>
           <a:p>
             <a:pPr lvl="1"/>
             <a:r>
-              <a:rPr lang="en-US" dirty="0" smtClean="0"/>
+              <a:rPr lang="en-US" dirty="0"/>
               <a:t>Longer render times</a:t>
             </a:r>
-            <a:endParaRPr lang="en-US" dirty="0"/>
           </a:p>
         </p:txBody>
       </p:sp>
@@ -7501,10 +7462,9 @@
           <a:lstStyle/>
           <a:p>
             <a:r>
-              <a:rPr lang="en-US" dirty="0" smtClean="0"/>
+              <a:rPr lang="en-US" dirty="0"/>
               <a:t>Implementing Area Lights</a:t>
             </a:r>
-            <a:endParaRPr lang="en-US" dirty="0"/>
           </a:p>
         </p:txBody>
       </p:sp>
@@ -7531,83 +7491,82 @@
           <a:lstStyle/>
           <a:p>
             <a:r>
-              <a:rPr lang="en-US" dirty="0" smtClean="0"/>
+              <a:rPr lang="en-US" dirty="0"/>
               <a:t>Area lights can have different geometries</a:t>
             </a:r>
           </a:p>
           <a:p>
             <a:pPr lvl="1"/>
             <a:r>
-              <a:rPr lang="en-US" dirty="0" smtClean="0"/>
+              <a:rPr lang="en-US" dirty="0"/>
               <a:t>Circle, rectangle, sphere, etc.</a:t>
             </a:r>
           </a:p>
           <a:p>
             <a:r>
-              <a:rPr lang="en-US" i="1" dirty="0" err="1" smtClean="0"/>
+              <a:rPr lang="en-US" i="1" dirty="0" err="1"/>
               <a:t>RTftGU</a:t>
             </a:r>
             <a:r>
-              <a:rPr lang="en-US" dirty="0" smtClean="0"/>
+              <a:rPr lang="en-US" dirty="0"/>
               <a:t>  implements an emissive material class </a:t>
             </a:r>
           </a:p>
           <a:p>
             <a:pPr lvl="1"/>
             <a:r>
-              <a:rPr lang="en-US" dirty="0" smtClean="0"/>
+              <a:rPr lang="en-US" dirty="0"/>
               <a:t>Any geometric object can then be made into a light</a:t>
             </a:r>
           </a:p>
           <a:p>
             <a:r>
-              <a:rPr lang="en-US" dirty="0" smtClean="0"/>
+              <a:rPr lang="en-US" dirty="0"/>
               <a:t>Need to estimate the incident radiance from the light on a point </a:t>
             </a:r>
             <a:r>
-              <a:rPr lang="en-US" b="1" i="1" dirty="0" smtClean="0"/>
+              <a:rPr lang="en-US" b="1" i="1" dirty="0"/>
               <a:t>p</a:t>
             </a:r>
           </a:p>
           <a:p>
             <a:r>
-              <a:rPr lang="en-US" dirty="0" smtClean="0"/>
+              <a:rPr lang="en-US" dirty="0"/>
               <a:t>Three possible techniques</a:t>
             </a:r>
           </a:p>
           <a:p>
             <a:pPr lvl="1"/>
             <a:r>
-              <a:rPr lang="en-US" dirty="0" smtClean="0"/>
-              <a:t>Shoot shadow to points sampled on the light surface</a:t>
+              <a:rPr lang="en-US" dirty="0"/>
+              <a:t>Shoot shadow rays to points sampled on the light surface</a:t>
             </a:r>
           </a:p>
           <a:p>
             <a:pPr lvl="1"/>
             <a:r>
-              <a:rPr lang="en-US" dirty="0" smtClean="0"/>
+              <a:rPr lang="en-US" dirty="0"/>
               <a:t>Shoot shadow rays in the solid angle subtended at </a:t>
             </a:r>
             <a:r>
-              <a:rPr lang="en-US" b="1" i="1" dirty="0" smtClean="0"/>
+              <a:rPr lang="en-US" b="1" i="1" dirty="0"/>
               <a:t>p</a:t>
             </a:r>
             <a:r>
-              <a:rPr lang="en-US" dirty="0" smtClean="0"/>
-              <a:t> by the object</a:t>
+              <a:rPr lang="en-US" dirty="0"/>
+              <a:t> by the light object</a:t>
             </a:r>
           </a:p>
           <a:p>
             <a:pPr lvl="1"/>
             <a:r>
-              <a:rPr lang="en-US" dirty="0" smtClean="0"/>
+              <a:rPr lang="en-US" dirty="0"/>
               <a:t>Shoot rays by sampling the BRDF at the point </a:t>
             </a:r>
             <a:r>
-              <a:rPr lang="en-US" b="1" i="1" dirty="0" smtClean="0"/>
+              <a:rPr lang="en-US" b="1" i="1" dirty="0"/>
               <a:t>p</a:t>
             </a:r>
-            <a:endParaRPr lang="en-US" b="1" i="1" dirty="0" smtClean="0"/>
           </a:p>
         </p:txBody>
       </p:sp>
@@ -7662,10 +7621,9 @@
           <a:lstStyle/>
           <a:p>
             <a:r>
-              <a:rPr lang="en-US" dirty="0" smtClean="0"/>
+              <a:rPr lang="en-US" dirty="0"/>
               <a:t>Sampling the Light Surface</a:t>
             </a:r>
-            <a:endParaRPr lang="en-US" dirty="0"/>
           </a:p>
         </p:txBody>
       </p:sp>
@@ -7692,147 +7650,124 @@
           <a:lstStyle/>
           <a:p>
             <a:r>
-              <a:rPr lang="en-US" dirty="0" smtClean="0"/>
+              <a:rPr lang="en-US" dirty="0"/>
               <a:t>To determine incident radiance at a hit point </a:t>
             </a:r>
             <a:r>
-              <a:rPr lang="en-US" b="1" i="1" dirty="0" smtClean="0"/>
+              <a:rPr lang="en-US" b="1" i="1" dirty="0"/>
               <a:t>p</a:t>
             </a:r>
-            <a:endParaRPr lang="en-US" b="1" i="1" dirty="0" smtClean="0"/>
           </a:p>
           <a:p>
             <a:pPr lvl="1"/>
             <a:r>
-              <a:rPr lang="en-US" dirty="0" smtClean="0"/>
+              <a:rPr lang="en-US" dirty="0"/>
               <a:t>Generate shadow rays</a:t>
             </a:r>
           </a:p>
           <a:p>
             <a:pPr lvl="2"/>
             <a:r>
-              <a:rPr lang="en-US" dirty="0" smtClean="0"/>
+              <a:rPr lang="en-US" dirty="0"/>
               <a:t>Originating p</a:t>
             </a:r>
           </a:p>
           <a:p>
             <a:pPr lvl="2"/>
             <a:r>
-              <a:rPr lang="en-US" dirty="0" smtClean="0"/>
+              <a:rPr lang="en-US" dirty="0"/>
               <a:t>Directed to a sample point </a:t>
             </a:r>
             <a:r>
-              <a:rPr lang="en-US" b="1" i="1" dirty="0" err="1" smtClean="0"/>
+              <a:rPr lang="en-US" b="1" i="1" dirty="0" err="1"/>
               <a:t>s</a:t>
             </a:r>
             <a:r>
-              <a:rPr lang="en-US" b="1" i="1" baseline="-25000" dirty="0" err="1" smtClean="0"/>
+              <a:rPr lang="en-US" b="1" i="1" baseline="-25000" dirty="0" err="1"/>
               <a:t>i</a:t>
             </a:r>
             <a:r>
-              <a:rPr lang="en-US" baseline="-25000" dirty="0" smtClean="0"/>
+              <a:rPr lang="en-US" baseline="-25000" dirty="0"/>
               <a:t> </a:t>
             </a:r>
             <a:r>
-              <a:rPr lang="en-US" dirty="0" smtClean="0"/>
+              <a:rPr lang="en-US" dirty="0"/>
               <a:t>on the surface of the light</a:t>
             </a:r>
-            <a:endParaRPr lang="en-US" dirty="0" smtClean="0"/>
-          </a:p>
-          <a:p>
-            <a:r>
-              <a:rPr lang="en-US" dirty="0" smtClean="0"/>
-              <a:t>Example: Imagine a hemispherical light surrounding </a:t>
-            </a:r>
-            <a:r>
-              <a:rPr lang="en-US" b="1" i="1" dirty="0" smtClean="0"/>
+          </a:p>
+          <a:p>
+            <a:r>
+              <a:rPr lang="en-US" dirty="0"/>
+              <a:t>Example: a hemispherical light surrounding </a:t>
+            </a:r>
+            <a:r>
+              <a:rPr lang="en-US" b="1" i="1" dirty="0"/>
               <a:t>p</a:t>
             </a:r>
             <a:br>
-              <a:rPr lang="en-US" b="1" i="1" dirty="0" smtClean="0"/>
+              <a:rPr lang="en-US" b="1" i="1" dirty="0"/>
             </a:br>
-            <a:r>
-              <a:rPr lang="en-US" b="1" i="1" dirty="0" smtClean="0"/>
-              <a:t/>
-            </a:r>
             <a:br>
-              <a:rPr lang="en-US" b="1" i="1" dirty="0" smtClean="0"/>
+              <a:rPr lang="en-US" b="1" i="1" dirty="0"/>
             </a:br>
-            <a:r>
-              <a:rPr lang="en-US" b="1" i="1" dirty="0" smtClean="0"/>
-              <a:t/>
-            </a:r>
             <a:br>
-              <a:rPr lang="en-US" b="1" i="1" dirty="0" smtClean="0"/>
+              <a:rPr lang="en-US" b="1" i="1" dirty="0"/>
             </a:br>
-            <a:r>
-              <a:rPr lang="en-US" b="1" i="1" dirty="0" smtClean="0"/>
-              <a:t/>
-            </a:r>
             <a:br>
-              <a:rPr lang="en-US" b="1" i="1" dirty="0" smtClean="0"/>
+              <a:rPr lang="en-US" b="1" i="1" dirty="0"/>
             </a:br>
-            <a:r>
-              <a:rPr lang="en-US" b="1" i="1" dirty="0" smtClean="0"/>
-              <a:t/>
-            </a:r>
             <a:br>
-              <a:rPr lang="en-US" b="1" i="1" dirty="0" smtClean="0"/>
+              <a:rPr lang="en-US" b="1" i="1" dirty="0"/>
             </a:br>
-            <a:r>
-              <a:rPr lang="en-US" b="1" i="1" dirty="0" smtClean="0"/>
-              <a:t/>
-            </a:r>
             <a:br>
-              <a:rPr lang="en-US" b="1" i="1" dirty="0" smtClean="0"/>
+              <a:rPr lang="en-US" b="1" i="1" dirty="0"/>
             </a:br>
-            <a:endParaRPr lang="en-US" b="1" i="1" dirty="0" smtClean="0"/>
-          </a:p>
-          <a:p>
-            <a:r>
-              <a:rPr lang="en-US" dirty="0" smtClean="0"/>
+            <a:endParaRPr lang="en-US" b="1" i="1" dirty="0"/>
+          </a:p>
+          <a:p>
+            <a:r>
+              <a:rPr lang="en-US" dirty="0"/>
               <a:t>The light must be able to provide</a:t>
             </a:r>
           </a:p>
           <a:p>
             <a:pPr lvl="1"/>
             <a:r>
-              <a:rPr lang="en-US" dirty="0" smtClean="0"/>
+              <a:rPr lang="en-US" dirty="0"/>
               <a:t>Uniformly sampled points </a:t>
             </a:r>
             <a:r>
-              <a:rPr lang="en-US" b="1" i="1" dirty="0" err="1" smtClean="0"/>
+              <a:rPr lang="en-US" b="1" i="1" dirty="0" err="1"/>
               <a:t>s</a:t>
             </a:r>
             <a:r>
-              <a:rPr lang="en-US" b="1" i="1" baseline="-25000" dirty="0" err="1" smtClean="0"/>
+              <a:rPr lang="en-US" b="1" i="1" baseline="-25000" dirty="0" err="1"/>
               <a:t>i</a:t>
             </a:r>
-            <a:endParaRPr lang="en-US" b="1" i="1" baseline="-25000" dirty="0" smtClean="0"/>
+            <a:endParaRPr lang="en-US" b="1" i="1" baseline="-25000" dirty="0"/>
           </a:p>
           <a:p>
             <a:pPr lvl="1"/>
             <a:r>
-              <a:rPr lang="en-US" dirty="0" smtClean="0"/>
+              <a:rPr lang="en-US" dirty="0"/>
               <a:t>The normal at the point </a:t>
             </a:r>
             <a:r>
-              <a:rPr lang="en-US" b="1" i="1" dirty="0" err="1" smtClean="0"/>
+              <a:rPr lang="en-US" b="1" i="1" dirty="0" err="1"/>
               <a:t>s</a:t>
             </a:r>
             <a:r>
-              <a:rPr lang="en-US" b="1" i="1" baseline="-25000" dirty="0" err="1" smtClean="0"/>
+              <a:rPr lang="en-US" b="1" i="1" baseline="-25000" dirty="0" err="1"/>
               <a:t>i</a:t>
             </a:r>
-            <a:endParaRPr lang="en-US" b="1" i="1" baseline="-25000" dirty="0" smtClean="0"/>
+            <a:endParaRPr lang="en-US" b="1" i="1" baseline="-25000" dirty="0"/>
           </a:p>
           <a:p>
             <a:pPr lvl="1"/>
             <a:r>
-              <a:rPr lang="en-US" dirty="0" smtClean="0"/>
+              <a:rPr lang="en-US" dirty="0"/>
               <a:t>For what geometries would this be easy? Which would be hard?</a:t>
             </a:r>
-            <a:endParaRPr lang="en-US" dirty="0"/>
           </a:p>
         </p:txBody>
       </p:sp>
@@ -7857,8 +7792,8 @@
         </p:blipFill>
         <p:spPr>
           <a:xfrm>
-            <a:off x="4686020" y="3518023"/>
-            <a:ext cx="4286689" cy="2528287"/>
+            <a:off x="2824110" y="3429000"/>
+            <a:ext cx="3265592" cy="1926045"/>
           </a:xfrm>
           <a:prstGeom prst="rect">
             <a:avLst/>
@@ -7916,10 +7851,9 @@
           <a:lstStyle/>
           <a:p>
             <a:r>
-              <a:rPr lang="en-US" dirty="0" smtClean="0"/>
+              <a:rPr lang="en-US" dirty="0"/>
               <a:t>Sampling the BRDF</a:t>
             </a:r>
-            <a:endParaRPr lang="en-US" dirty="0"/>
           </a:p>
         </p:txBody>
       </p:sp>
@@ -7946,62 +7880,61 @@
           <a:lstStyle/>
           <a:p>
             <a:r>
-              <a:rPr lang="en-US" dirty="0" smtClean="0"/>
+              <a:rPr lang="en-US" dirty="0"/>
               <a:t>To determine incident radiance at a hit point </a:t>
             </a:r>
             <a:r>
-              <a:rPr lang="en-US" b="1" i="1" dirty="0" smtClean="0"/>
+              <a:rPr lang="en-US" b="1" i="1" dirty="0"/>
               <a:t>p</a:t>
             </a:r>
-            <a:endParaRPr lang="en-US" b="1" i="1" dirty="0" smtClean="0"/>
           </a:p>
           <a:p>
             <a:pPr lvl="1"/>
             <a:r>
-              <a:rPr lang="en-US" dirty="0" smtClean="0"/>
+              <a:rPr lang="en-US" dirty="0"/>
               <a:t>Generate rays</a:t>
             </a:r>
           </a:p>
           <a:p>
             <a:pPr lvl="2"/>
             <a:r>
-              <a:rPr lang="en-US" dirty="0" smtClean="0"/>
+              <a:rPr lang="en-US" dirty="0"/>
               <a:t>Originating p</a:t>
             </a:r>
           </a:p>
           <a:p>
             <a:pPr lvl="2"/>
             <a:r>
-              <a:rPr lang="en-US" dirty="0" smtClean="0"/>
+              <a:rPr lang="en-US" dirty="0"/>
               <a:t>Directions distributed according to the BRDF</a:t>
             </a:r>
           </a:p>
           <a:p>
             <a:pPr lvl="3"/>
             <a:r>
-              <a:rPr lang="en-US" dirty="0" smtClean="0"/>
+              <a:rPr lang="en-US" dirty="0"/>
               <a:t>i.e. sample hemisphere around </a:t>
             </a:r>
             <a:r>
-              <a:rPr lang="en-US" b="1" i="1" dirty="0" smtClean="0"/>
+              <a:rPr lang="en-US" b="1" i="1" dirty="0"/>
               <a:t>p</a:t>
             </a:r>
             <a:r>
-              <a:rPr lang="en-US" dirty="0" smtClean="0"/>
+              <a:rPr lang="en-US" dirty="0"/>
               <a:t> possibly non-uniformly</a:t>
             </a:r>
           </a:p>
           <a:p>
             <a:r>
-              <a:rPr lang="en-US" dirty="0" smtClean="0"/>
+              <a:rPr lang="en-US" dirty="0"/>
               <a:t>Example: (a) is uniform and </a:t>
             </a:r>
             <a:r>
-              <a:rPr lang="en-US" dirty="0" err="1" smtClean="0"/>
+              <a:rPr lang="en-US" dirty="0" err="1"/>
               <a:t>undersamples</a:t>
             </a:r>
             <a:r>
-              <a:rPr lang="en-US" dirty="0" smtClean="0"/>
+              <a:rPr lang="en-US" dirty="0"/>
               <a:t>, (b) samples BRDF</a:t>
             </a:r>
           </a:p>
@@ -8083,10 +8016,9 @@
           <a:lstStyle/>
           <a:p>
             <a:r>
-              <a:rPr lang="en-US" dirty="0" smtClean="0"/>
+              <a:rPr lang="en-US" dirty="0"/>
               <a:t>Importance Sampling Revisited</a:t>
             </a:r>
-            <a:endParaRPr lang="en-US" dirty="0"/>
           </a:p>
         </p:txBody>
       </p:sp>
@@ -8111,17 +8043,16 @@
           <a:lstStyle/>
           <a:p>
             <a:r>
-              <a:rPr lang="en-US" dirty="0" smtClean="0"/>
+              <a:rPr lang="en-US" dirty="0"/>
               <a:t>There are situations in which sampling the BRDF is less efficient</a:t>
             </a:r>
           </a:p>
           <a:p>
             <a:pPr lvl="1"/>
             <a:r>
-              <a:rPr lang="en-US" dirty="0" smtClean="0"/>
+              <a:rPr lang="en-US" dirty="0"/>
               <a:t>Choosing the most efficient sampling method for a situation is an application of importance sampling</a:t>
             </a:r>
-            <a:endParaRPr lang="en-US" dirty="0"/>
           </a:p>
         </p:txBody>
       </p:sp>
@@ -8201,10 +8132,9 @@
           <a:lstStyle/>
           <a:p>
             <a:r>
-              <a:rPr lang="en-US" dirty="0" smtClean="0"/>
+              <a:rPr lang="en-US" dirty="0"/>
               <a:t>What to do?</a:t>
             </a:r>
-            <a:endParaRPr lang="en-US" dirty="0"/>
           </a:p>
         </p:txBody>
       </p:sp>
@@ -8229,34 +8159,33 @@
           <a:lstStyle/>
           <a:p>
             <a:r>
-              <a:rPr lang="en-US" i="1" dirty="0" err="1" smtClean="0"/>
+              <a:rPr lang="en-US" i="1" dirty="0" err="1"/>
               <a:t>RTftGU</a:t>
             </a:r>
             <a:r>
-              <a:rPr lang="en-US" dirty="0" smtClean="0"/>
+              <a:rPr lang="en-US" dirty="0"/>
               <a:t> chooses to</a:t>
             </a:r>
           </a:p>
           <a:p>
             <a:pPr lvl="1"/>
             <a:r>
-              <a:rPr lang="en-US" dirty="0" smtClean="0"/>
+              <a:rPr lang="en-US" dirty="0"/>
               <a:t>Sample the light for rectangular, circular, and spherical lights</a:t>
             </a:r>
           </a:p>
           <a:p>
             <a:pPr lvl="1"/>
             <a:r>
-              <a:rPr lang="en-US" dirty="0" smtClean="0"/>
+              <a:rPr lang="en-US" dirty="0"/>
               <a:t>Sample the entire hemisphere for environment light</a:t>
             </a:r>
           </a:p>
           <a:p>
             <a:r>
-              <a:rPr lang="en-US" dirty="0" smtClean="0"/>
+              <a:rPr lang="en-US" dirty="0"/>
               <a:t>We also need to be able to render the light itself</a:t>
             </a:r>
-            <a:endParaRPr lang="en-US" dirty="0"/>
           </a:p>
         </p:txBody>
       </p:sp>
@@ -8336,10 +8265,9 @@
           <a:lstStyle/>
           <a:p>
             <a:r>
-              <a:rPr lang="en-US" dirty="0" smtClean="0"/>
+              <a:rPr lang="en-US" dirty="0"/>
               <a:t>Estimating Direct Illumination</a:t>
             </a:r>
-            <a:endParaRPr lang="en-US" dirty="0"/>
           </a:p>
         </p:txBody>
       </p:sp>
@@ -8364,43 +8292,43 @@
           <a:lstStyle/>
           <a:p>
             <a:r>
-              <a:rPr lang="en-US" dirty="0" smtClean="0"/>
+              <a:rPr lang="en-US" dirty="0"/>
               <a:t>We need to compute </a:t>
             </a:r>
             <a:r>
-              <a:rPr lang="en-US" dirty="0" err="1" smtClean="0"/>
+              <a:rPr lang="en-US" dirty="0" err="1"/>
               <a:t>exitant</a:t>
             </a:r>
             <a:r>
-              <a:rPr lang="en-US" dirty="0" smtClean="0"/>
+              <a:rPr lang="en-US" dirty="0"/>
               <a:t> radiance at point </a:t>
             </a:r>
             <a:r>
-              <a:rPr lang="en-US" b="1" i="1" dirty="0" smtClean="0"/>
+              <a:rPr lang="en-US" b="1" i="1" dirty="0"/>
               <a:t>p’</a:t>
             </a:r>
           </a:p>
           <a:p>
             <a:r>
-              <a:rPr lang="en-US" dirty="0" smtClean="0"/>
+              <a:rPr lang="en-US" dirty="0"/>
               <a:t>For direct illumination, we gather only illumination from lights</a:t>
             </a:r>
           </a:p>
           <a:p>
             <a:pPr lvl="1"/>
             <a:r>
-              <a:rPr lang="en-US" dirty="0" smtClean="0"/>
+              <a:rPr lang="en-US" dirty="0"/>
               <a:t>We neglect indirect light reflected off other </a:t>
             </a:r>
             <a:r>
-              <a:rPr lang="en-US" dirty="0" err="1" smtClean="0"/>
+              <a:rPr lang="en-US" dirty="0" err="1"/>
               <a:t>surfces</a:t>
             </a:r>
-            <a:endParaRPr lang="en-US" dirty="0" smtClean="0"/>
-          </a:p>
-          <a:p>
-            <a:r>
-              <a:rPr lang="en-US" dirty="0" smtClean="0"/>
+            <a:endParaRPr lang="en-US" dirty="0"/>
+          </a:p>
+          <a:p>
+            <a:r>
+              <a:rPr lang="en-US" dirty="0"/>
               <a:t>Using the area form of the rendering equation:</a:t>
             </a:r>
           </a:p>
@@ -8408,14 +8336,13 @@
             <a:endParaRPr lang="en-US" dirty="0"/>
           </a:p>
           <a:p>
-            <a:endParaRPr lang="en-US" dirty="0" smtClean="0"/>
-          </a:p>
-          <a:p>
-            <a:r>
-              <a:rPr lang="en-US" dirty="0" smtClean="0"/>
+            <a:endParaRPr lang="en-US" dirty="0"/>
+          </a:p>
+          <a:p>
+            <a:r>
+              <a:rPr lang="en-US" dirty="0"/>
               <a:t>For a single area light the Monte Carlo estimator for the integral is</a:t>
             </a:r>
-            <a:endParaRPr lang="en-US" dirty="0"/>
           </a:p>
         </p:txBody>
       </p:sp>
@@ -8441,7 +8368,7 @@
           <a:graphicData uri="http://schemas.openxmlformats.org/presentationml/2006/ole">
             <mc:AlternateContent xmlns:mc="http://schemas.openxmlformats.org/markup-compatibility/2006">
               <mc:Choice xmlns:v="urn:schemas-microsoft-com:vml" Requires="v">
-                <p:oleObj spid="_x0000_s1039" name="Equation" r:id="rId3" imgW="3492500" imgH="406400" progId="Equation.3">
+                <p:oleObj spid="_x0000_s1043" name="Equation" r:id="rId3" imgW="3492500" imgH="406400" progId="Equation.3">
                   <p:embed/>
                 </p:oleObj>
               </mc:Choice>
@@ -8498,7 +8425,7 @@
           <a:graphicData uri="http://schemas.openxmlformats.org/presentationml/2006/ole">
             <mc:AlternateContent xmlns:mc="http://schemas.openxmlformats.org/markup-compatibility/2006">
               <mc:Choice xmlns:v="urn:schemas-microsoft-com:vml" Requires="v">
-                <p:oleObj spid="_x0000_s1040" name="Equation" r:id="rId5" imgW="3606800" imgH="444500" progId="Equation.3">
+                <p:oleObj spid="_x0000_s1044" name="Equation" r:id="rId5" imgW="3606800" imgH="444500" progId="Equation.3">
                   <p:embed/>
                 </p:oleObj>
               </mc:Choice>
